--- a/Web Development/portfolio/assets/img/portfolio/portfolio-6.pptx
+++ b/Web Development/portfolio/assets/img/portfolio/portfolio-6.pptx
@@ -243,7 +243,7 @@
           <a:p>
             <a:fld id="{6DCFAC01-F157-4908-8184-525CBA06D35D}" type="datetimeFigureOut">
               <a:rPr lang="en-AU" smtClean="0"/>
-              <a:t>28/08/2021</a:t>
+              <a:t>15/06/2021</a:t>
             </a:fld>
             <a:endParaRPr lang="en-AU"/>
           </a:p>
@@ -413,7 +413,7 @@
           <a:p>
             <a:fld id="{6DCFAC01-F157-4908-8184-525CBA06D35D}" type="datetimeFigureOut">
               <a:rPr lang="en-AU" smtClean="0"/>
-              <a:t>28/08/2021</a:t>
+              <a:t>15/06/2021</a:t>
             </a:fld>
             <a:endParaRPr lang="en-AU"/>
           </a:p>
@@ -593,7 +593,7 @@
           <a:p>
             <a:fld id="{6DCFAC01-F157-4908-8184-525CBA06D35D}" type="datetimeFigureOut">
               <a:rPr lang="en-AU" smtClean="0"/>
-              <a:t>28/08/2021</a:t>
+              <a:t>15/06/2021</a:t>
             </a:fld>
             <a:endParaRPr lang="en-AU"/>
           </a:p>
@@ -763,7 +763,7 @@
           <a:p>
             <a:fld id="{6DCFAC01-F157-4908-8184-525CBA06D35D}" type="datetimeFigureOut">
               <a:rPr lang="en-AU" smtClean="0"/>
-              <a:t>28/08/2021</a:t>
+              <a:t>15/06/2021</a:t>
             </a:fld>
             <a:endParaRPr lang="en-AU"/>
           </a:p>
@@ -1007,7 +1007,7 @@
           <a:p>
             <a:fld id="{6DCFAC01-F157-4908-8184-525CBA06D35D}" type="datetimeFigureOut">
               <a:rPr lang="en-AU" smtClean="0"/>
-              <a:t>28/08/2021</a:t>
+              <a:t>15/06/2021</a:t>
             </a:fld>
             <a:endParaRPr lang="en-AU"/>
           </a:p>
@@ -1239,7 +1239,7 @@
           <a:p>
             <a:fld id="{6DCFAC01-F157-4908-8184-525CBA06D35D}" type="datetimeFigureOut">
               <a:rPr lang="en-AU" smtClean="0"/>
-              <a:t>28/08/2021</a:t>
+              <a:t>15/06/2021</a:t>
             </a:fld>
             <a:endParaRPr lang="en-AU"/>
           </a:p>
@@ -1606,7 +1606,7 @@
           <a:p>
             <a:fld id="{6DCFAC01-F157-4908-8184-525CBA06D35D}" type="datetimeFigureOut">
               <a:rPr lang="en-AU" smtClean="0"/>
-              <a:t>28/08/2021</a:t>
+              <a:t>15/06/2021</a:t>
             </a:fld>
             <a:endParaRPr lang="en-AU"/>
           </a:p>
@@ -1724,7 +1724,7 @@
           <a:p>
             <a:fld id="{6DCFAC01-F157-4908-8184-525CBA06D35D}" type="datetimeFigureOut">
               <a:rPr lang="en-AU" smtClean="0"/>
-              <a:t>28/08/2021</a:t>
+              <a:t>15/06/2021</a:t>
             </a:fld>
             <a:endParaRPr lang="en-AU"/>
           </a:p>
@@ -1819,7 +1819,7 @@
           <a:p>
             <a:fld id="{6DCFAC01-F157-4908-8184-525CBA06D35D}" type="datetimeFigureOut">
               <a:rPr lang="en-AU" smtClean="0"/>
-              <a:t>28/08/2021</a:t>
+              <a:t>15/06/2021</a:t>
             </a:fld>
             <a:endParaRPr lang="en-AU"/>
           </a:p>
@@ -2096,7 +2096,7 @@
           <a:p>
             <a:fld id="{6DCFAC01-F157-4908-8184-525CBA06D35D}" type="datetimeFigureOut">
               <a:rPr lang="en-AU" smtClean="0"/>
-              <a:t>28/08/2021</a:t>
+              <a:t>15/06/2021</a:t>
             </a:fld>
             <a:endParaRPr lang="en-AU"/>
           </a:p>
@@ -2353,7 +2353,7 @@
           <a:p>
             <a:fld id="{6DCFAC01-F157-4908-8184-525CBA06D35D}" type="datetimeFigureOut">
               <a:rPr lang="en-AU" smtClean="0"/>
-              <a:t>28/08/2021</a:t>
+              <a:t>15/06/2021</a:t>
             </a:fld>
             <a:endParaRPr lang="en-AU"/>
           </a:p>
@@ -2566,7 +2566,7 @@
           <a:p>
             <a:fld id="{6DCFAC01-F157-4908-8184-525CBA06D35D}" type="datetimeFigureOut">
               <a:rPr lang="en-AU" smtClean="0"/>
-              <a:t>28/08/2021</a:t>
+              <a:t>15/06/2021</a:t>
             </a:fld>
             <a:endParaRPr lang="en-AU"/>
           </a:p>
@@ -2989,8 +2989,8 @@
         </p:nvSpPr>
         <p:spPr>
           <a:xfrm>
-            <a:off x="1143000" y="1338608"/>
-            <a:ext cx="6858000" cy="2712888"/>
+            <a:off x="1143000" y="1338607"/>
+            <a:ext cx="6858000" cy="3374795"/>
           </a:xfrm>
         </p:spPr>
         <p:txBody>
@@ -3003,7 +3003,7 @@
               <a:rPr lang="en-US" sz="9000" b="1" dirty="0">
                 <a:latin typeface="+mn-lt"/>
               </a:rPr>
-              <a:t>Creative</a:t>
+              <a:t>Other Software Dev</a:t>
             </a:r>
             <a:endParaRPr lang="en-AU" sz="9000" b="1" dirty="0">
               <a:latin typeface="+mn-lt"/>
